--- a/Objetivos especificos.pptx
+++ b/Objetivos especificos.pptx
@@ -3213,7 +3213,7 @@
         <p:spPr>
           <a:xfrm>
             <a:off x="703844" y="2412107"/>
-            <a:ext cx="16230600" cy="2984791"/>
+            <a:ext cx="16230600" cy="6755054"/>
           </a:xfrm>
           <a:prstGeom prst="rect">
             <a:avLst/>
@@ -3224,6 +3224,450 @@
             <a:spAutoFit/>
           </a:bodyPr>
           <a:lstStyle/>
+          <a:p>
+            <a:pPr marL="1003299" lvl="1" indent="-571500">
+              <a:lnSpc>
+                <a:spcPts val="5439"/>
+              </a:lnSpc>
+              <a:buFont typeface="Arial" panose="020B0604020202020204" pitchFamily="34" charset="0"/>
+              <a:buChar char="•"/>
+            </a:pPr>
+            <a:r>
+              <a:rPr lang="en-US" sz="3999" dirty="0" err="1">
+                <a:solidFill>
+                  <a:srgbClr val="000000"/>
+                </a:solidFill>
+                <a:latin typeface="Glacial Indifference Bold"/>
+              </a:rPr>
+              <a:t>Implementar</a:t>
+            </a:r>
+            <a:r>
+              <a:rPr lang="en-US" sz="3999" dirty="0">
+                <a:solidFill>
+                  <a:srgbClr val="000000"/>
+                </a:solidFill>
+                <a:latin typeface="Glacial Indifference Bold"/>
+              </a:rPr>
+              <a:t>:</a:t>
+            </a:r>
+            <a:r>
+              <a:rPr lang="en-US" sz="3999" dirty="0">
+                <a:solidFill>
+                  <a:srgbClr val="000000"/>
+                </a:solidFill>
+                <a:latin typeface="Glacial Indifference"/>
+              </a:rPr>
+              <a:t> El </a:t>
+            </a:r>
+            <a:r>
+              <a:rPr lang="en-US" sz="3999" dirty="0" err="1">
+                <a:solidFill>
+                  <a:srgbClr val="000000"/>
+                </a:solidFill>
+                <a:latin typeface="Glacial Indifference"/>
+              </a:rPr>
+              <a:t>sistema</a:t>
+            </a:r>
+            <a:r>
+              <a:rPr lang="en-US" sz="3999" dirty="0">
+                <a:solidFill>
+                  <a:srgbClr val="000000"/>
+                </a:solidFill>
+                <a:latin typeface="Glacial Indifference"/>
+              </a:rPr>
+              <a:t> </a:t>
+            </a:r>
+            <a:r>
+              <a:rPr lang="en-US" sz="3999" dirty="0" err="1">
+                <a:solidFill>
+                  <a:srgbClr val="000000"/>
+                </a:solidFill>
+                <a:latin typeface="Glacial Indifference"/>
+              </a:rPr>
+              <a:t>debe</a:t>
+            </a:r>
+            <a:r>
+              <a:rPr lang="en-US" sz="3999" dirty="0">
+                <a:solidFill>
+                  <a:srgbClr val="000000"/>
+                </a:solidFill>
+                <a:latin typeface="Glacial Indifference"/>
+              </a:rPr>
+              <a:t> </a:t>
+            </a:r>
+            <a:r>
+              <a:rPr lang="en-US" sz="3999" dirty="0" err="1">
+                <a:solidFill>
+                  <a:srgbClr val="000000"/>
+                </a:solidFill>
+                <a:latin typeface="Glacial Indifference"/>
+              </a:rPr>
+              <a:t>permitir</a:t>
+            </a:r>
+            <a:r>
+              <a:rPr lang="en-US" sz="3999" dirty="0">
+                <a:solidFill>
+                  <a:srgbClr val="000000"/>
+                </a:solidFill>
+                <a:latin typeface="Glacial Indifference"/>
+              </a:rPr>
+              <a:t> que </a:t>
+            </a:r>
+            <a:r>
+              <a:rPr lang="en-US" sz="3999" dirty="0" err="1">
+                <a:solidFill>
+                  <a:srgbClr val="000000"/>
+                </a:solidFill>
+                <a:latin typeface="Glacial Indifference"/>
+              </a:rPr>
+              <a:t>el</a:t>
+            </a:r>
+            <a:r>
+              <a:rPr lang="en-US" sz="3999" dirty="0">
+                <a:solidFill>
+                  <a:srgbClr val="000000"/>
+                </a:solidFill>
+                <a:latin typeface="Glacial Indifference"/>
+              </a:rPr>
+              <a:t> </a:t>
+            </a:r>
+            <a:r>
+              <a:rPr lang="en-US" sz="3999" dirty="0" err="1">
+                <a:solidFill>
+                  <a:srgbClr val="000000"/>
+                </a:solidFill>
+                <a:latin typeface="Glacial Indifference"/>
+              </a:rPr>
+              <a:t>mesero</a:t>
+            </a:r>
+            <a:r>
+              <a:rPr lang="en-US" sz="3999" dirty="0">
+                <a:solidFill>
+                  <a:srgbClr val="000000"/>
+                </a:solidFill>
+                <a:latin typeface="Glacial Indifference"/>
+              </a:rPr>
+              <a:t> </a:t>
+            </a:r>
+            <a:r>
+              <a:rPr lang="en-US" sz="3999" dirty="0" err="1">
+                <a:solidFill>
+                  <a:srgbClr val="000000"/>
+                </a:solidFill>
+                <a:latin typeface="Glacial Indifference"/>
+              </a:rPr>
+              <a:t>ingrese</a:t>
+            </a:r>
+            <a:r>
+              <a:rPr lang="en-US" sz="3999" dirty="0">
+                <a:solidFill>
+                  <a:srgbClr val="000000"/>
+                </a:solidFill>
+                <a:latin typeface="Glacial Indifference"/>
+              </a:rPr>
+              <a:t> </a:t>
+            </a:r>
+            <a:r>
+              <a:rPr lang="en-US" sz="3999" dirty="0" err="1">
+                <a:solidFill>
+                  <a:srgbClr val="000000"/>
+                </a:solidFill>
+                <a:latin typeface="Glacial Indifference"/>
+              </a:rPr>
+              <a:t>el</a:t>
+            </a:r>
+            <a:r>
+              <a:rPr lang="en-US" sz="3999" dirty="0">
+                <a:solidFill>
+                  <a:srgbClr val="000000"/>
+                </a:solidFill>
+                <a:latin typeface="Glacial Indifference"/>
+              </a:rPr>
+              <a:t> </a:t>
+            </a:r>
+            <a:r>
+              <a:rPr lang="en-US" sz="3999" dirty="0" err="1">
+                <a:solidFill>
+                  <a:srgbClr val="000000"/>
+                </a:solidFill>
+                <a:latin typeface="Glacial Indifference"/>
+              </a:rPr>
+              <a:t>pedido</a:t>
+            </a:r>
+            <a:r>
+              <a:rPr lang="en-US" sz="3999" dirty="0">
+                <a:solidFill>
+                  <a:srgbClr val="000000"/>
+                </a:solidFill>
+                <a:latin typeface="Glacial Indifference"/>
+              </a:rPr>
+              <a:t> del </a:t>
+            </a:r>
+            <a:r>
+              <a:rPr lang="en-US" sz="3999" dirty="0" err="1">
+                <a:solidFill>
+                  <a:srgbClr val="000000"/>
+                </a:solidFill>
+                <a:latin typeface="Glacial Indifference"/>
+              </a:rPr>
+              <a:t>cliente</a:t>
+            </a:r>
+            <a:r>
+              <a:rPr lang="en-US" sz="3999" dirty="0">
+                <a:solidFill>
+                  <a:srgbClr val="000000"/>
+                </a:solidFill>
+                <a:latin typeface="Glacial Indifference"/>
+              </a:rPr>
+              <a:t>, </a:t>
+            </a:r>
+            <a:r>
+              <a:rPr lang="en-US" sz="3999" dirty="0" err="1">
+                <a:solidFill>
+                  <a:srgbClr val="000000"/>
+                </a:solidFill>
+                <a:latin typeface="Glacial Indifference"/>
+              </a:rPr>
+              <a:t>confirmar</a:t>
+            </a:r>
+            <a:r>
+              <a:rPr lang="en-US" sz="3999" dirty="0">
+                <a:solidFill>
+                  <a:srgbClr val="000000"/>
+                </a:solidFill>
+                <a:latin typeface="Glacial Indifference"/>
+              </a:rPr>
+              <a:t> </a:t>
+            </a:r>
+            <a:r>
+              <a:rPr lang="en-US" sz="3999" dirty="0" err="1">
+                <a:solidFill>
+                  <a:srgbClr val="000000"/>
+                </a:solidFill>
+                <a:latin typeface="Glacial Indifference"/>
+              </a:rPr>
+              <a:t>los</a:t>
+            </a:r>
+            <a:r>
+              <a:rPr lang="en-US" sz="3999" dirty="0">
+                <a:solidFill>
+                  <a:srgbClr val="000000"/>
+                </a:solidFill>
+                <a:latin typeface="Glacial Indifference"/>
+              </a:rPr>
+              <a:t> </a:t>
+            </a:r>
+            <a:r>
+              <a:rPr lang="en-US" sz="3999" dirty="0" err="1">
+                <a:solidFill>
+                  <a:srgbClr val="000000"/>
+                </a:solidFill>
+                <a:latin typeface="Glacial Indifference"/>
+              </a:rPr>
+              <a:t>ingredientes</a:t>
+            </a:r>
+            <a:r>
+              <a:rPr lang="en-US" sz="3999" dirty="0">
+                <a:solidFill>
+                  <a:srgbClr val="000000"/>
+                </a:solidFill>
+                <a:latin typeface="Glacial Indifference"/>
+              </a:rPr>
+              <a:t> </a:t>
+            </a:r>
+            <a:r>
+              <a:rPr lang="en-US" sz="3999" dirty="0" err="1">
+                <a:solidFill>
+                  <a:srgbClr val="000000"/>
+                </a:solidFill>
+                <a:latin typeface="Glacial Indifference"/>
+              </a:rPr>
+              <a:t>disponibles</a:t>
+            </a:r>
+            <a:r>
+              <a:rPr lang="en-US" sz="3999" dirty="0">
+                <a:solidFill>
+                  <a:srgbClr val="000000"/>
+                </a:solidFill>
+                <a:latin typeface="Glacial Indifference"/>
+              </a:rPr>
+              <a:t> y </a:t>
+            </a:r>
+            <a:r>
+              <a:rPr lang="en-US" sz="3999" dirty="0" err="1">
+                <a:solidFill>
+                  <a:srgbClr val="000000"/>
+                </a:solidFill>
+                <a:latin typeface="Glacial Indifference"/>
+              </a:rPr>
+              <a:t>transmitir</a:t>
+            </a:r>
+            <a:r>
+              <a:rPr lang="en-US" sz="3999" dirty="0">
+                <a:solidFill>
+                  <a:srgbClr val="000000"/>
+                </a:solidFill>
+                <a:latin typeface="Glacial Indifference"/>
+              </a:rPr>
+              <a:t> la </a:t>
+            </a:r>
+            <a:r>
+              <a:rPr lang="en-US" sz="3999" dirty="0" err="1">
+                <a:solidFill>
+                  <a:srgbClr val="000000"/>
+                </a:solidFill>
+                <a:latin typeface="Glacial Indifference"/>
+              </a:rPr>
+              <a:t>orden</a:t>
+            </a:r>
+            <a:r>
+              <a:rPr lang="en-US" sz="3999" dirty="0">
+                <a:solidFill>
+                  <a:srgbClr val="000000"/>
+                </a:solidFill>
+                <a:latin typeface="Glacial Indifference"/>
+              </a:rPr>
+              <a:t> a la </a:t>
+            </a:r>
+            <a:r>
+              <a:rPr lang="en-US" sz="3999" dirty="0" err="1">
+                <a:solidFill>
+                  <a:srgbClr val="000000"/>
+                </a:solidFill>
+                <a:latin typeface="Glacial Indifference"/>
+              </a:rPr>
+              <a:t>cocina</a:t>
+            </a:r>
+            <a:r>
+              <a:rPr lang="en-US" sz="3999" dirty="0">
+                <a:solidFill>
+                  <a:srgbClr val="000000"/>
+                </a:solidFill>
+                <a:latin typeface="Glacial Indifference"/>
+              </a:rPr>
+              <a:t> de </a:t>
+            </a:r>
+            <a:r>
+              <a:rPr lang="en-US" sz="3999" dirty="0" err="1">
+                <a:solidFill>
+                  <a:srgbClr val="000000"/>
+                </a:solidFill>
+                <a:latin typeface="Glacial Indifference"/>
+              </a:rPr>
+              <a:t>manera</a:t>
+            </a:r>
+            <a:r>
+              <a:rPr lang="en-US" sz="3999" dirty="0">
+                <a:solidFill>
+                  <a:srgbClr val="000000"/>
+                </a:solidFill>
+                <a:latin typeface="Glacial Indifference"/>
+              </a:rPr>
+              <a:t> </a:t>
+            </a:r>
+            <a:r>
+              <a:rPr lang="en-US" sz="3999" dirty="0" err="1">
+                <a:solidFill>
+                  <a:srgbClr val="000000"/>
+                </a:solidFill>
+                <a:latin typeface="Glacial Indifference"/>
+              </a:rPr>
+              <a:t>rápida</a:t>
+            </a:r>
+            <a:r>
+              <a:rPr lang="en-US" sz="3999" dirty="0">
+                <a:solidFill>
+                  <a:srgbClr val="000000"/>
+                </a:solidFill>
+                <a:latin typeface="Glacial Indifference"/>
+              </a:rPr>
+              <a:t> y </a:t>
+            </a:r>
+            <a:r>
+              <a:rPr lang="en-US" sz="3999" dirty="0" err="1">
+                <a:solidFill>
+                  <a:srgbClr val="000000"/>
+                </a:solidFill>
+                <a:latin typeface="Glacial Indifference"/>
+              </a:rPr>
+              <a:t>precisa</a:t>
+            </a:r>
+            <a:r>
+              <a:rPr lang="en-US" sz="3999" dirty="0">
+                <a:solidFill>
+                  <a:srgbClr val="000000"/>
+                </a:solidFill>
+                <a:latin typeface="Glacial Indifference"/>
+              </a:rPr>
+              <a:t>.​</a:t>
+            </a:r>
+          </a:p>
+          <a:p>
+            <a:pPr marL="571500" indent="-571500" algn="l">
+              <a:buFont typeface="Arial" panose="020B0604020202020204" pitchFamily="34" charset="0"/>
+              <a:buChar char="•"/>
+            </a:pPr>
+            <a:r>
+              <a:rPr lang="es-MX" sz="4000" b="1" i="0" u="none" strike="noStrike" dirty="0">
+                <a:solidFill>
+                  <a:srgbClr val="000000"/>
+                </a:solidFill>
+                <a:effectLst/>
+                <a:latin typeface="YACgETiWKS8 0"/>
+              </a:rPr>
+              <a:t>​Organizar:</a:t>
+            </a:r>
+            <a:r>
+              <a:rPr lang="es-MX" sz="4000" b="0" i="0" u="none" strike="noStrike" dirty="0">
+                <a:solidFill>
+                  <a:srgbClr val="000000"/>
+                </a:solidFill>
+                <a:effectLst/>
+                <a:latin typeface="YACgETiWKS8 0"/>
+              </a:rPr>
+              <a:t> El sistema debe asignar un número, una hora a cada orden, mostrar el estado y tiempo estimado de entrega en una pantalla visible para el mesero, el cocinero y el cliente.​</a:t>
+            </a:r>
+            <a:endParaRPr lang="es-MX" sz="4000" b="0" i="0" dirty="0">
+              <a:solidFill>
+                <a:srgbClr val="000000"/>
+              </a:solidFill>
+              <a:effectLst/>
+              <a:latin typeface="YACgETiWKS8 0"/>
+            </a:endParaRPr>
+          </a:p>
+          <a:p>
+            <a:pPr marL="571500" indent="-571500" algn="l">
+              <a:buFont typeface="Arial" panose="020B0604020202020204" pitchFamily="34" charset="0"/>
+              <a:buChar char="•"/>
+            </a:pPr>
+            <a:r>
+              <a:rPr lang="es-MX" sz="4000" b="1" i="0" u="none" strike="noStrike" dirty="0">
+                <a:solidFill>
+                  <a:srgbClr val="000000"/>
+                </a:solidFill>
+                <a:effectLst/>
+                <a:latin typeface="YACgETiWKS8 0"/>
+              </a:rPr>
+              <a:t>Facilitar:</a:t>
+            </a:r>
+            <a:r>
+              <a:rPr lang="es-MX" sz="4000" b="0" i="0" u="none" strike="noStrike" dirty="0">
+                <a:solidFill>
+                  <a:srgbClr val="000000"/>
+                </a:solidFill>
+                <a:effectLst/>
+                <a:latin typeface="YACgETiWKS8 0"/>
+              </a:rPr>
+              <a:t> El sistema facilita la toma de pedidos por parte del mesero y su envío a la cocina de manera instantánea.​</a:t>
+            </a:r>
+            <a:endParaRPr lang="es-MX" sz="4000" b="0" i="0" dirty="0">
+              <a:solidFill>
+                <a:srgbClr val="000000"/>
+              </a:solidFill>
+              <a:effectLst/>
+              <a:latin typeface="YACgETiWKS8 0"/>
+            </a:endParaRPr>
+          </a:p>
           <a:p>
             <a:pPr marL="863599" lvl="1" indent="-431800">
               <a:lnSpc>
@@ -3232,375 +3676,12 @@
               <a:buFont typeface="Arial"/>
               <a:buChar char="•"/>
             </a:pPr>
-            <a:r>
-              <a:rPr lang="en-US" sz="3999" dirty="0" err="1">
-                <a:solidFill>
-                  <a:srgbClr val="000000"/>
-                </a:solidFill>
-                <a:latin typeface="Glacial Indifference Bold"/>
-              </a:rPr>
-              <a:t>Implementar</a:t>
-            </a:r>
-            <a:r>
-              <a:rPr lang="en-US" sz="3999" dirty="0">
-                <a:solidFill>
-                  <a:srgbClr val="000000"/>
-                </a:solidFill>
-                <a:latin typeface="Glacial Indifference Bold"/>
-              </a:rPr>
-              <a:t>:</a:t>
-            </a:r>
-            <a:r>
-              <a:rPr lang="en-US" sz="3999" dirty="0">
-                <a:solidFill>
-                  <a:srgbClr val="000000"/>
-                </a:solidFill>
-                <a:latin typeface="Glacial Indifference"/>
-              </a:rPr>
-              <a:t> El </a:t>
-            </a:r>
-            <a:r>
-              <a:rPr lang="en-US" sz="3999" dirty="0" err="1">
-                <a:solidFill>
-                  <a:srgbClr val="000000"/>
-                </a:solidFill>
-                <a:latin typeface="Glacial Indifference"/>
-              </a:rPr>
-              <a:t>sistema</a:t>
-            </a:r>
-            <a:r>
-              <a:rPr lang="en-US" sz="3999" dirty="0">
-                <a:solidFill>
-                  <a:srgbClr val="000000"/>
-                </a:solidFill>
-                <a:latin typeface="Glacial Indifference"/>
-              </a:rPr>
-              <a:t> </a:t>
-            </a:r>
-            <a:r>
-              <a:rPr lang="en-US" sz="3999" dirty="0" err="1">
-                <a:solidFill>
-                  <a:srgbClr val="000000"/>
-                </a:solidFill>
-                <a:latin typeface="Glacial Indifference"/>
-              </a:rPr>
-              <a:t>debe</a:t>
-            </a:r>
-            <a:r>
-              <a:rPr lang="en-US" sz="3999" dirty="0">
-                <a:solidFill>
-                  <a:srgbClr val="000000"/>
-                </a:solidFill>
-                <a:latin typeface="Glacial Indifference"/>
-              </a:rPr>
-              <a:t> </a:t>
-            </a:r>
-            <a:r>
-              <a:rPr lang="en-US" sz="3999" dirty="0" err="1">
-                <a:solidFill>
-                  <a:srgbClr val="000000"/>
-                </a:solidFill>
-                <a:latin typeface="Glacial Indifference"/>
-              </a:rPr>
-              <a:t>permitir</a:t>
-            </a:r>
-            <a:r>
-              <a:rPr lang="en-US" sz="3999" dirty="0">
-                <a:solidFill>
-                  <a:srgbClr val="000000"/>
-                </a:solidFill>
-                <a:latin typeface="Glacial Indifference"/>
-              </a:rPr>
-              <a:t> que </a:t>
-            </a:r>
-            <a:r>
-              <a:rPr lang="en-US" sz="3999" dirty="0" err="1">
-                <a:solidFill>
-                  <a:srgbClr val="000000"/>
-                </a:solidFill>
-                <a:latin typeface="Glacial Indifference"/>
-              </a:rPr>
-              <a:t>el</a:t>
-            </a:r>
-            <a:r>
-              <a:rPr lang="en-US" sz="3999" dirty="0">
-                <a:solidFill>
-                  <a:srgbClr val="000000"/>
-                </a:solidFill>
-                <a:latin typeface="Glacial Indifference"/>
-              </a:rPr>
-              <a:t> </a:t>
-            </a:r>
-            <a:r>
-              <a:rPr lang="en-US" sz="3999" dirty="0" err="1">
-                <a:solidFill>
-                  <a:srgbClr val="000000"/>
-                </a:solidFill>
-                <a:latin typeface="Glacial Indifference"/>
-              </a:rPr>
-              <a:t>mesero</a:t>
-            </a:r>
-            <a:r>
-              <a:rPr lang="en-US" sz="3999" dirty="0">
-                <a:solidFill>
-                  <a:srgbClr val="000000"/>
-                </a:solidFill>
-                <a:latin typeface="Glacial Indifference"/>
-              </a:rPr>
-              <a:t> </a:t>
-            </a:r>
-            <a:r>
-              <a:rPr lang="en-US" sz="3999" dirty="0" err="1">
-                <a:solidFill>
-                  <a:srgbClr val="000000"/>
-                </a:solidFill>
-                <a:latin typeface="Glacial Indifference"/>
-              </a:rPr>
-              <a:t>ingrese</a:t>
-            </a:r>
-            <a:r>
-              <a:rPr lang="en-US" sz="3999" dirty="0">
-                <a:solidFill>
-                  <a:srgbClr val="000000"/>
-                </a:solidFill>
-                <a:latin typeface="Glacial Indifference"/>
-              </a:rPr>
-              <a:t> </a:t>
-            </a:r>
-            <a:r>
-              <a:rPr lang="en-US" sz="3999" dirty="0" err="1">
-                <a:solidFill>
-                  <a:srgbClr val="000000"/>
-                </a:solidFill>
-                <a:latin typeface="Glacial Indifference"/>
-              </a:rPr>
-              <a:t>el</a:t>
-            </a:r>
-            <a:r>
-              <a:rPr lang="en-US" sz="3999" dirty="0">
-                <a:solidFill>
-                  <a:srgbClr val="000000"/>
-                </a:solidFill>
-                <a:latin typeface="Glacial Indifference"/>
-              </a:rPr>
-              <a:t> </a:t>
-            </a:r>
-            <a:r>
-              <a:rPr lang="en-US" sz="3999" dirty="0" err="1">
-                <a:solidFill>
-                  <a:srgbClr val="000000"/>
-                </a:solidFill>
-                <a:latin typeface="Glacial Indifference"/>
-              </a:rPr>
-              <a:t>pedido</a:t>
-            </a:r>
-            <a:r>
-              <a:rPr lang="en-US" sz="3999" dirty="0">
-                <a:solidFill>
-                  <a:srgbClr val="000000"/>
-                </a:solidFill>
-                <a:latin typeface="Glacial Indifference"/>
-              </a:rPr>
-              <a:t> del </a:t>
-            </a:r>
-            <a:r>
-              <a:rPr lang="en-US" sz="3999" dirty="0" err="1">
-                <a:solidFill>
-                  <a:srgbClr val="000000"/>
-                </a:solidFill>
-                <a:latin typeface="Glacial Indifference"/>
-              </a:rPr>
-              <a:t>cliente</a:t>
-            </a:r>
-            <a:r>
-              <a:rPr lang="en-US" sz="3999" dirty="0">
-                <a:solidFill>
-                  <a:srgbClr val="000000"/>
-                </a:solidFill>
-                <a:latin typeface="Glacial Indifference"/>
-              </a:rPr>
-              <a:t>, </a:t>
-            </a:r>
-            <a:r>
-              <a:rPr lang="en-US" sz="3999" dirty="0" err="1">
-                <a:solidFill>
-                  <a:srgbClr val="000000"/>
-                </a:solidFill>
-                <a:latin typeface="Glacial Indifference"/>
-              </a:rPr>
-              <a:t>confirmar</a:t>
-            </a:r>
-            <a:r>
-              <a:rPr lang="en-US" sz="3999" dirty="0">
-                <a:solidFill>
-                  <a:srgbClr val="000000"/>
-                </a:solidFill>
-                <a:latin typeface="Glacial Indifference"/>
-              </a:rPr>
-              <a:t> </a:t>
-            </a:r>
-            <a:r>
-              <a:rPr lang="en-US" sz="3999" dirty="0" err="1">
-                <a:solidFill>
-                  <a:srgbClr val="000000"/>
-                </a:solidFill>
-                <a:latin typeface="Glacial Indifference"/>
-              </a:rPr>
-              <a:t>los</a:t>
-            </a:r>
-            <a:r>
-              <a:rPr lang="en-US" sz="3999" dirty="0">
-                <a:solidFill>
-                  <a:srgbClr val="000000"/>
-                </a:solidFill>
-                <a:latin typeface="Glacial Indifference"/>
-              </a:rPr>
-              <a:t> </a:t>
-            </a:r>
-            <a:r>
-              <a:rPr lang="en-US" sz="3999" dirty="0" err="1">
-                <a:solidFill>
-                  <a:srgbClr val="000000"/>
-                </a:solidFill>
-                <a:latin typeface="Glacial Indifference"/>
-              </a:rPr>
-              <a:t>ingredientes</a:t>
-            </a:r>
-            <a:r>
-              <a:rPr lang="en-US" sz="3999" dirty="0">
-                <a:solidFill>
-                  <a:srgbClr val="000000"/>
-                </a:solidFill>
-                <a:latin typeface="Glacial Indifference"/>
-              </a:rPr>
-              <a:t> </a:t>
-            </a:r>
-            <a:r>
-              <a:rPr lang="en-US" sz="3999" dirty="0" err="1">
-                <a:solidFill>
-                  <a:srgbClr val="000000"/>
-                </a:solidFill>
-                <a:latin typeface="Glacial Indifference"/>
-              </a:rPr>
-              <a:t>disponibles</a:t>
-            </a:r>
-            <a:r>
-              <a:rPr lang="en-US" sz="3999" dirty="0">
-                <a:solidFill>
-                  <a:srgbClr val="000000"/>
-                </a:solidFill>
-                <a:latin typeface="Glacial Indifference"/>
-              </a:rPr>
-              <a:t> y </a:t>
-            </a:r>
-            <a:r>
-              <a:rPr lang="en-US" sz="3999" dirty="0" err="1">
-                <a:solidFill>
-                  <a:srgbClr val="000000"/>
-                </a:solidFill>
-                <a:latin typeface="Glacial Indifference"/>
-              </a:rPr>
-              <a:t>transmitir</a:t>
-            </a:r>
-            <a:r>
-              <a:rPr lang="en-US" sz="3999" dirty="0">
-                <a:solidFill>
-                  <a:srgbClr val="000000"/>
-                </a:solidFill>
-                <a:latin typeface="Glacial Indifference"/>
-              </a:rPr>
-              <a:t> la </a:t>
-            </a:r>
-            <a:r>
-              <a:rPr lang="en-US" sz="3999" dirty="0" err="1">
-                <a:solidFill>
-                  <a:srgbClr val="000000"/>
-                </a:solidFill>
-                <a:latin typeface="Glacial Indifference"/>
-              </a:rPr>
-              <a:t>orden</a:t>
-            </a:r>
-            <a:r>
-              <a:rPr lang="en-US" sz="3999" dirty="0">
-                <a:solidFill>
-                  <a:srgbClr val="000000"/>
-                </a:solidFill>
-                <a:latin typeface="Glacial Indifference"/>
-              </a:rPr>
-              <a:t> a la </a:t>
-            </a:r>
-            <a:r>
-              <a:rPr lang="en-US" sz="3999" dirty="0" err="1">
-                <a:solidFill>
-                  <a:srgbClr val="000000"/>
-                </a:solidFill>
-                <a:latin typeface="Glacial Indifference"/>
-              </a:rPr>
-              <a:t>cocina</a:t>
-            </a:r>
-            <a:r>
-              <a:rPr lang="en-US" sz="3999" dirty="0">
-                <a:solidFill>
-                  <a:srgbClr val="000000"/>
-                </a:solidFill>
-                <a:latin typeface="Glacial Indifference"/>
-              </a:rPr>
-              <a:t> de </a:t>
-            </a:r>
-            <a:r>
-              <a:rPr lang="en-US" sz="3999" dirty="0" err="1">
-                <a:solidFill>
-                  <a:srgbClr val="000000"/>
-                </a:solidFill>
-                <a:latin typeface="Glacial Indifference"/>
-              </a:rPr>
-              <a:t>manera</a:t>
-            </a:r>
-            <a:r>
-              <a:rPr lang="en-US" sz="3999" dirty="0">
-                <a:solidFill>
-                  <a:srgbClr val="000000"/>
-                </a:solidFill>
-                <a:latin typeface="Glacial Indifference"/>
-              </a:rPr>
-              <a:t> </a:t>
-            </a:r>
-            <a:r>
-              <a:rPr lang="en-US" sz="3999" dirty="0" err="1">
-                <a:solidFill>
-                  <a:srgbClr val="000000"/>
-                </a:solidFill>
-                <a:latin typeface="Glacial Indifference"/>
-              </a:rPr>
-              <a:t>rápida</a:t>
-            </a:r>
-            <a:r>
-              <a:rPr lang="en-US" sz="3999" dirty="0">
-                <a:solidFill>
-                  <a:srgbClr val="000000"/>
-                </a:solidFill>
-                <a:latin typeface="Glacial Indifference"/>
-              </a:rPr>
-              <a:t> y </a:t>
-            </a:r>
-            <a:r>
-              <a:rPr lang="en-US" sz="3999" dirty="0" err="1">
-                <a:solidFill>
-                  <a:srgbClr val="000000"/>
-                </a:solidFill>
-                <a:latin typeface="Glacial Indifference"/>
-              </a:rPr>
-              <a:t>precisa</a:t>
-            </a:r>
-            <a:r>
-              <a:rPr lang="en-US" sz="3999" dirty="0">
-                <a:solidFill>
-                  <a:srgbClr val="000000"/>
-                </a:solidFill>
-                <a:latin typeface="Glacial Indifference"/>
-              </a:rPr>
-              <a:t>.​</a:t>
-            </a:r>
+            <a:endParaRPr lang="en-US" sz="3999" dirty="0">
+              <a:solidFill>
+                <a:srgbClr val="000000"/>
+              </a:solidFill>
+              <a:latin typeface="Glacial Indifference"/>
+            </a:endParaRPr>
           </a:p>
           <a:p>
             <a:pPr>

--- a/Objetivos especificos.pptx
+++ b/Objetivos especificos.pptx
@@ -3213,7 +3213,7 @@
         <p:spPr>
           <a:xfrm>
             <a:off x="703844" y="2412107"/>
-            <a:ext cx="16230600" cy="2984791"/>
+            <a:ext cx="16230600" cy="5062283"/>
           </a:xfrm>
           <a:prstGeom prst="rect">
             <a:avLst/>
@@ -3601,6 +3601,39 @@
               </a:rPr>
               <a:t>.​</a:t>
             </a:r>
+          </a:p>
+          <a:p>
+            <a:pPr marL="863599" lvl="1" indent="-431800">
+              <a:lnSpc>
+                <a:spcPts val="5439"/>
+              </a:lnSpc>
+              <a:buFont typeface="Arial"/>
+              <a:buChar char="•"/>
+            </a:pPr>
+            <a:r>
+              <a:rPr lang="es-MX" sz="4000" b="1" i="0" u="none" strike="noStrike">
+                <a:solidFill>
+                  <a:srgbClr val="000000"/>
+                </a:solidFill>
+                <a:effectLst/>
+              </a:rPr>
+              <a:t>Organizar:</a:t>
+            </a:r>
+            <a:r>
+              <a:rPr lang="es-MX" sz="4000" b="0" i="0" u="none" strike="noStrike">
+                <a:solidFill>
+                  <a:srgbClr val="000000"/>
+                </a:solidFill>
+                <a:effectLst/>
+              </a:rPr>
+              <a:t> El sistema debe asignar un número, una hora a cada orden, mostrar el estado y tiempo estimado de entrega en una pantalla visible para el mesero, el cocinero y el cliente.​</a:t>
+            </a:r>
+            <a:endParaRPr lang="en-US" sz="3999" dirty="0">
+              <a:solidFill>
+                <a:srgbClr val="000000"/>
+              </a:solidFill>
+              <a:latin typeface="Glacial Indifference"/>
+            </a:endParaRPr>
           </a:p>
           <a:p>
             <a:pPr>
